--- a/docs/Lectures/Week09/Week09_GeometryProcessing.pptx
+++ b/docs/Lectures/Week09/Week09_GeometryProcessing.pptx
@@ -231,7 +231,7 @@
           <a:p>
             <a:fld id="{3AF106B3-F2DA-48D3-8BC9-D8AF4A5AEC52}" type="datetimeFigureOut">
               <a:rPr lang="en-US" smtClean="0"/>
-              <a:t>3/9/2025</a:t>
+              <a:t>3/10/2025</a:t>
             </a:fld>
             <a:endParaRPr lang="en-US"/>
           </a:p>
@@ -409,7 +409,7 @@
           <a:p>
             <a:fld id="{F12EB5DA-1790-4C4A-B092-095C6475A200}" type="datetimeFigureOut">
               <a:rPr lang="en-US" smtClean="0"/>
-              <a:t>3/9/2025</a:t>
+              <a:t>3/10/2025</a:t>
             </a:fld>
             <a:endParaRPr lang="en-US"/>
           </a:p>
@@ -914,7 +914,7 @@
           <a:p>
             <a:fld id="{ED291B17-9318-49DB-B28B-6E5994AE9581}" type="datetime1">
               <a:rPr lang="en-US" smtClean="0"/>
-              <a:t>3/9/2025</a:t>
+              <a:t>3/10/2025</a:t>
             </a:fld>
             <a:endParaRPr lang="en-US" dirty="0"/>
           </a:p>
@@ -1117,7 +1117,7 @@
           <a:p>
             <a:fld id="{2CED4963-E985-44C4-B8C4-FDD613B7C2F8}" type="datetime1">
               <a:rPr lang="en-US" smtClean="0"/>
-              <a:t>3/9/2025</a:t>
+              <a:t>3/10/2025</a:t>
             </a:fld>
             <a:endParaRPr lang="en-US" dirty="0"/>
           </a:p>
@@ -1478,7 +1478,7 @@
           <a:p>
             <a:fld id="{ED291B17-9318-49DB-B28B-6E5994AE9581}" type="datetime1">
               <a:rPr lang="en-US" smtClean="0"/>
-              <a:t>3/9/2025</a:t>
+              <a:t>3/10/2025</a:t>
             </a:fld>
             <a:endParaRPr lang="en-US" dirty="0"/>
           </a:p>
@@ -1674,7 +1674,7 @@
           <a:p>
             <a:fld id="{78DD82B9-B8EE-4375-B6FF-88FA6ABB15D9}" type="datetime1">
               <a:rPr lang="en-US" smtClean="0"/>
-              <a:t>3/9/2025</a:t>
+              <a:t>3/10/2025</a:t>
             </a:fld>
             <a:endParaRPr lang="en-US" dirty="0"/>
           </a:p>
@@ -1985,7 +1985,7 @@
           <a:p>
             <a:fld id="{B2497495-0637-405E-AE64-5CC7506D51F5}" type="datetime1">
               <a:rPr lang="en-US" smtClean="0"/>
-              <a:t>3/9/2025</a:t>
+              <a:t>3/10/2025</a:t>
             </a:fld>
             <a:endParaRPr lang="en-US" dirty="0"/>
           </a:p>
@@ -2235,7 +2235,7 @@
           <a:p>
             <a:fld id="{7BFFD690-9426-415D-8B65-26881E07B2D4}" type="datetime1">
               <a:rPr lang="en-US" smtClean="0"/>
-              <a:t>3/9/2025</a:t>
+              <a:t>3/10/2025</a:t>
             </a:fld>
             <a:endParaRPr lang="en-US" dirty="0"/>
           </a:p>
@@ -2654,7 +2654,7 @@
           <a:p>
             <a:fld id="{04C4989A-474C-40DE-95B9-011C28B71673}" type="datetime1">
               <a:rPr lang="en-US" smtClean="0"/>
-              <a:t>3/9/2025</a:t>
+              <a:t>3/10/2025</a:t>
             </a:fld>
             <a:endParaRPr lang="en-US" dirty="0"/>
           </a:p>
@@ -2776,7 +2776,7 @@
           <a:p>
             <a:fld id="{5DB4ED54-5B5E-4A04-93D3-5772E3CE3818}" type="datetime1">
               <a:rPr lang="en-US" smtClean="0"/>
-              <a:t>3/9/2025</a:t>
+              <a:t>3/10/2025</a:t>
             </a:fld>
             <a:endParaRPr lang="en-US" dirty="0"/>
           </a:p>
@@ -2871,7 +2871,7 @@
           <a:p>
             <a:fld id="{4EDE50D6-574B-40AF-946F-D52A04ADE379}" type="datetime1">
               <a:rPr lang="en-US" smtClean="0"/>
-              <a:t>3/9/2025</a:t>
+              <a:t>3/10/2025</a:t>
             </a:fld>
             <a:endParaRPr lang="en-US" dirty="0"/>
           </a:p>
@@ -3246,7 +3246,7 @@
           <a:p>
             <a:fld id="{D82884F1-FFEA-405F-9602-3DCA865EDA4E}" type="datetime1">
               <a:rPr lang="en-US" smtClean="0"/>
-              <a:t>3/9/2025</a:t>
+              <a:t>3/10/2025</a:t>
             </a:fld>
             <a:endParaRPr lang="en-US" dirty="0"/>
           </a:p>
@@ -3537,7 +3537,7 @@
           <a:p>
             <a:fld id="{7E18DB4A-8810-4A10-AD5C-D5E2C667F5B3}" type="datetime1">
               <a:rPr lang="en-US" smtClean="0"/>
-              <a:t>3/9/2025</a:t>
+              <a:t>3/10/2025</a:t>
             </a:fld>
             <a:endParaRPr lang="en-US" dirty="0"/>
           </a:p>
@@ -3750,7 +3750,7 @@
           <a:p>
             <a:fld id="{ED291B17-9318-49DB-B28B-6E5994AE9581}" type="datetime1">
               <a:rPr lang="en-US" smtClean="0"/>
-              <a:t>3/9/2025</a:t>
+              <a:t>3/10/2025</a:t>
             </a:fld>
             <a:endParaRPr lang="en-US" dirty="0"/>
           </a:p>
@@ -4631,8 +4631,8 @@
         </p:nvSpPr>
         <p:spPr>
           <a:xfrm>
-            <a:off x="837126" y="1419226"/>
-            <a:ext cx="4687845" cy="2009774"/>
+            <a:off x="514059" y="1486107"/>
+            <a:ext cx="5591106" cy="2009774"/>
           </a:xfrm>
         </p:spPr>
         <p:txBody>
@@ -4647,7 +4647,7 @@
                   <a:srgbClr val="FFFFFF"/>
                 </a:solidFill>
               </a:rPr>
-              <a:t>WEEK 07</a:t>
+              <a:t>WEEK 09</a:t>
             </a:r>
             <a:br>
               <a:rPr lang="en-US" sz="4000" dirty="0">
@@ -4662,7 +4662,7 @@
                   <a:srgbClr val="FFFFFF"/>
                 </a:solidFill>
               </a:rPr>
-              <a:t>Proximity analysis</a:t>
+              <a:t>geometry processing</a:t>
             </a:r>
           </a:p>
         </p:txBody>
@@ -4924,6 +4924,118 @@
           </a:p>
         </p:txBody>
       </p:sp>
+      <p:pic>
+        <p:nvPicPr>
+          <p:cNvPr id="6" name="Picture 5">
+            <a:extLst>
+              <a:ext uri="{FF2B5EF4-FFF2-40B4-BE49-F238E27FC236}">
+                <a16:creationId xmlns:a16="http://schemas.microsoft.com/office/drawing/2014/main" id="{975259EB-FB40-261E-870B-B1BACAB66B86}"/>
+              </a:ext>
+            </a:extLst>
+          </p:cNvPr>
+          <p:cNvPicPr>
+            <a:picLocks noChangeAspect="1"/>
+          </p:cNvPicPr>
+          <p:nvPr/>
+        </p:nvPicPr>
+        <p:blipFill>
+          <a:blip r:embed="rId2"/>
+          <a:stretch>
+            <a:fillRect/>
+          </a:stretch>
+        </p:blipFill>
+        <p:spPr>
+          <a:xfrm>
+            <a:off x="240030" y="3990261"/>
+            <a:ext cx="4586456" cy="2603344"/>
+          </a:xfrm>
+          <a:prstGeom prst="rect">
+            <a:avLst/>
+          </a:prstGeom>
+        </p:spPr>
+      </p:pic>
+      <p:sp>
+        <p:nvSpPr>
+          <p:cNvPr id="7" name="Arrow: Right 6">
+            <a:extLst>
+              <a:ext uri="{FF2B5EF4-FFF2-40B4-BE49-F238E27FC236}">
+                <a16:creationId xmlns:a16="http://schemas.microsoft.com/office/drawing/2014/main" id="{466E5164-7066-B68F-CC03-716A7D2385C9}"/>
+              </a:ext>
+            </a:extLst>
+          </p:cNvPr>
+          <p:cNvSpPr/>
+          <p:nvPr/>
+        </p:nvSpPr>
+        <p:spPr>
+          <a:xfrm>
+            <a:off x="5522976" y="4700016"/>
+            <a:ext cx="1197864" cy="658368"/>
+          </a:xfrm>
+          <a:prstGeom prst="rightArrow">
+            <a:avLst/>
+          </a:prstGeom>
+        </p:spPr>
+        <p:style>
+          <a:lnRef idx="2">
+            <a:schemeClr val="accent1">
+              <a:shade val="15000"/>
+            </a:schemeClr>
+          </a:lnRef>
+          <a:fillRef idx="1">
+            <a:schemeClr val="accent1"/>
+          </a:fillRef>
+          <a:effectRef idx="0">
+            <a:schemeClr val="accent1"/>
+          </a:effectRef>
+          <a:fontRef idx="minor">
+            <a:schemeClr val="lt1"/>
+          </a:fontRef>
+        </p:style>
+        <p:txBody>
+          <a:bodyPr rtlCol="0" anchor="ctr"/>
+          <a:lstStyle/>
+          <a:p>
+            <a:pPr algn="ctr"/>
+            <a:endParaRPr lang="zh-CN" altLang="en-US"/>
+          </a:p>
+        </p:txBody>
+      </p:sp>
+      <p:sp>
+        <p:nvSpPr>
+          <p:cNvPr id="8" name="TextBox 7">
+            <a:extLst>
+              <a:ext uri="{FF2B5EF4-FFF2-40B4-BE49-F238E27FC236}">
+                <a16:creationId xmlns:a16="http://schemas.microsoft.com/office/drawing/2014/main" id="{76B82474-07AF-F2C8-7E80-90E82F10F566}"/>
+              </a:ext>
+            </a:extLst>
+          </p:cNvPr>
+          <p:cNvSpPr txBox="1"/>
+          <p:nvPr/>
+        </p:nvSpPr>
+        <p:spPr>
+          <a:xfrm>
+            <a:off x="5522976" y="4288536"/>
+            <a:ext cx="1197864" cy="369332"/>
+          </a:xfrm>
+          <a:prstGeom prst="rect">
+            <a:avLst/>
+          </a:prstGeom>
+          <a:noFill/>
+        </p:spPr>
+        <p:txBody>
+          <a:bodyPr wrap="square" rtlCol="0">
+            <a:spAutoFit/>
+          </a:bodyPr>
+          <a:lstStyle/>
+          <a:p>
+            <a:r>
+              <a:rPr lang="en-US" altLang="zh-CN" dirty="0"/>
+              <a:t>ST_UNION</a:t>
+            </a:r>
+            <a:endParaRPr lang="zh-CN" altLang="en-US" dirty="0"/>
+          </a:p>
+        </p:txBody>
+      </p:sp>
     </p:spTree>
     <p:extLst>
       <p:ext uri="{BB962C8B-B14F-4D97-AF65-F5344CB8AC3E}">
@@ -5072,14 +5184,38 @@
             </a:r>
             <a:r>
               <a:rPr lang="zh-CN" altLang="zh-CN" sz="2000" dirty="0"/>
-              <a:t> are stored using floating-point precision (e.g., DOUBLE PRECISION), which can introduce artifacts, such as:</a:t>
+              <a:t> are stored using floating-point precision (e.g., DOUBLE PRECISION), which can introduce </a:t>
+            </a:r>
+            <a:r>
+              <a:rPr lang="en-US" altLang="zh-CN" sz="2000" dirty="0"/>
+              <a:t>issues</a:t>
+            </a:r>
+            <a:r>
+              <a:rPr lang="zh-CN" altLang="zh-CN" sz="2000" dirty="0"/>
+              <a:t>, such as:</a:t>
             </a:r>
           </a:p>
           <a:p>
             <a:pPr lvl="2" fontAlgn="base"/>
             <a:r>
               <a:rPr lang="zh-CN" altLang="zh-CN" sz="2000" dirty="0"/>
-              <a:t>Tiny Gaps (Slivers) between Merged Polygons</a:t>
+              <a:t>Tiny Gaps (Slivers) between </a:t>
+            </a:r>
+            <a:r>
+              <a:rPr lang="en-US" altLang="zh-CN" sz="2000" dirty="0"/>
+              <a:t>m</a:t>
+            </a:r>
+            <a:r>
+              <a:rPr lang="zh-CN" altLang="zh-CN" sz="2000" dirty="0"/>
+              <a:t>erged </a:t>
+            </a:r>
+            <a:r>
+              <a:rPr lang="en-US" altLang="zh-CN" sz="2000" dirty="0"/>
+              <a:t>p</a:t>
+            </a:r>
+            <a:r>
+              <a:rPr lang="zh-CN" altLang="zh-CN" sz="2000" dirty="0"/>
+              <a:t>olygons</a:t>
             </a:r>
           </a:p>
           <a:p>
@@ -6979,7 +7115,7 @@
           <a:p>
             <a:r>
               <a:rPr lang="en-US" altLang="zh-CN" dirty="0"/>
-              <a:t>Aggregate the geometry with pre-defined conditions to control the geometry process</a:t>
+              <a:t>Aggregate the geometry with pre-defined conditions to control the aggregating process</a:t>
             </a:r>
           </a:p>
           <a:p>
@@ -7314,7 +7450,7 @@
           <a:p>
             <a:r>
               <a:rPr lang="en-US" altLang="zh-CN" dirty="0"/>
-              <a:t>Which cities have less number in </a:t>
+              <a:t>Which cities have a smaller number in </a:t>
             </a:r>
             <a:r>
               <a:rPr lang="en-US" altLang="zh-CN" dirty="0" err="1"/>
@@ -8884,7 +9020,7 @@
                   <a:srgbClr val="FFFFFF"/>
                 </a:solidFill>
               </a:rPr>
-              <a:t>7.1</a:t>
+              <a:t>9.1</a:t>
             </a:r>
             <a:r>
               <a:rPr lang="en-US" sz="6000" b="0" kern="1200" cap="all" dirty="0">
